--- a/Documentation/Images/Sequencer State Diagrams.pptx
+++ b/Documentation/Images/Sequencer State Diagrams.pptx
@@ -104,6 +104,11 @@
       </a:defRPr>
     </a:lvl9pPr>
   </p:defaultTextStyle>
+  <p:extLst>
+    <p:ext uri="{EFAFB233-063F-42B5-8137-9DF3F51BA10A}">
+      <p15:sldGuideLst xmlns:p15="http://schemas.microsoft.com/office/powerpoint/2012/main"/>
+    </p:ext>
+  </p:extLst>
 </p:presentation>
 </file>
 
@@ -3794,19 +3799,19 @@
           <p:cNvCxnSpPr>
             <a:cxnSpLocks/>
             <a:stCxn id="12" idx="2"/>
-            <a:endCxn id="5" idx="1"/>
           </p:cNvCxnSpPr>
           <p:nvPr/>
         </p:nvCxnSpPr>
         <p:spPr>
           <a:xfrm rot="5400000" flipH="1">
-            <a:off x="3612585" y="3274896"/>
-            <a:ext cx="4411998" cy="554832"/>
+            <a:off x="4029707" y="3692018"/>
+            <a:ext cx="3606666" cy="525920"/>
           </a:xfrm>
-          <a:prstGeom prst="bentConnector4">
+          <a:prstGeom prst="bentConnector5">
             <a:avLst>
-              <a:gd name="adj1" fmla="val -5181"/>
-              <a:gd name="adj2" fmla="val 574688"/>
+              <a:gd name="adj1" fmla="val -6338"/>
+              <a:gd name="adj2" fmla="val 613062"/>
+              <a:gd name="adj3" fmla="val 99716"/>
             </a:avLst>
           </a:prstGeom>
           <a:ln w="60325">

--- a/Documentation/Images/Sequencer State Diagrams.pptx
+++ b/Documentation/Images/Sequencer State Diagrams.pptx
@@ -259,7 +259,7 @@
           <a:p>
             <a:fld id="{441A8BA8-F509-4AB4-89D9-34D8D2ED0D8C}" type="datetimeFigureOut">
               <a:rPr lang="en-US" smtClean="0"/>
-              <a:t>3/14/2019</a:t>
+              <a:t>4/4/2019</a:t>
             </a:fld>
             <a:endParaRPr lang="en-US"/>
           </a:p>
@@ -457,7 +457,7 @@
           <a:p>
             <a:fld id="{441A8BA8-F509-4AB4-89D9-34D8D2ED0D8C}" type="datetimeFigureOut">
               <a:rPr lang="en-US" smtClean="0"/>
-              <a:t>3/14/2019</a:t>
+              <a:t>4/4/2019</a:t>
             </a:fld>
             <a:endParaRPr lang="en-US"/>
           </a:p>
@@ -665,7 +665,7 @@
           <a:p>
             <a:fld id="{441A8BA8-F509-4AB4-89D9-34D8D2ED0D8C}" type="datetimeFigureOut">
               <a:rPr lang="en-US" smtClean="0"/>
-              <a:t>3/14/2019</a:t>
+              <a:t>4/4/2019</a:t>
             </a:fld>
             <a:endParaRPr lang="en-US"/>
           </a:p>
@@ -863,7 +863,7 @@
           <a:p>
             <a:fld id="{441A8BA8-F509-4AB4-89D9-34D8D2ED0D8C}" type="datetimeFigureOut">
               <a:rPr lang="en-US" smtClean="0"/>
-              <a:t>3/14/2019</a:t>
+              <a:t>4/4/2019</a:t>
             </a:fld>
             <a:endParaRPr lang="en-US"/>
           </a:p>
@@ -1138,7 +1138,7 @@
           <a:p>
             <a:fld id="{441A8BA8-F509-4AB4-89D9-34D8D2ED0D8C}" type="datetimeFigureOut">
               <a:rPr lang="en-US" smtClean="0"/>
-              <a:t>3/14/2019</a:t>
+              <a:t>4/4/2019</a:t>
             </a:fld>
             <a:endParaRPr lang="en-US"/>
           </a:p>
@@ -1403,7 +1403,7 @@
           <a:p>
             <a:fld id="{441A8BA8-F509-4AB4-89D9-34D8D2ED0D8C}" type="datetimeFigureOut">
               <a:rPr lang="en-US" smtClean="0"/>
-              <a:t>3/14/2019</a:t>
+              <a:t>4/4/2019</a:t>
             </a:fld>
             <a:endParaRPr lang="en-US"/>
           </a:p>
@@ -1815,7 +1815,7 @@
           <a:p>
             <a:fld id="{441A8BA8-F509-4AB4-89D9-34D8D2ED0D8C}" type="datetimeFigureOut">
               <a:rPr lang="en-US" smtClean="0"/>
-              <a:t>3/14/2019</a:t>
+              <a:t>4/4/2019</a:t>
             </a:fld>
             <a:endParaRPr lang="en-US"/>
           </a:p>
@@ -1956,7 +1956,7 @@
           <a:p>
             <a:fld id="{441A8BA8-F509-4AB4-89D9-34D8D2ED0D8C}" type="datetimeFigureOut">
               <a:rPr lang="en-US" smtClean="0"/>
-              <a:t>3/14/2019</a:t>
+              <a:t>4/4/2019</a:t>
             </a:fld>
             <a:endParaRPr lang="en-US"/>
           </a:p>
@@ -2069,7 +2069,7 @@
           <a:p>
             <a:fld id="{441A8BA8-F509-4AB4-89D9-34D8D2ED0D8C}" type="datetimeFigureOut">
               <a:rPr lang="en-US" smtClean="0"/>
-              <a:t>3/14/2019</a:t>
+              <a:t>4/4/2019</a:t>
             </a:fld>
             <a:endParaRPr lang="en-US"/>
           </a:p>
@@ -2380,7 +2380,7 @@
           <a:p>
             <a:fld id="{441A8BA8-F509-4AB4-89D9-34D8D2ED0D8C}" type="datetimeFigureOut">
               <a:rPr lang="en-US" smtClean="0"/>
-              <a:t>3/14/2019</a:t>
+              <a:t>4/4/2019</a:t>
             </a:fld>
             <a:endParaRPr lang="en-US"/>
           </a:p>
@@ -2668,7 +2668,7 @@
           <a:p>
             <a:fld id="{441A8BA8-F509-4AB4-89D9-34D8D2ED0D8C}" type="datetimeFigureOut">
               <a:rPr lang="en-US" smtClean="0"/>
-              <a:t>3/14/2019</a:t>
+              <a:t>4/4/2019</a:t>
             </a:fld>
             <a:endParaRPr lang="en-US"/>
           </a:p>
@@ -2909,7 +2909,7 @@
           <a:p>
             <a:fld id="{441A8BA8-F509-4AB4-89D9-34D8D2ED0D8C}" type="datetimeFigureOut">
               <a:rPr lang="en-US" smtClean="0"/>
-              <a:t>3/14/2019</a:t>
+              <a:t>4/4/2019</a:t>
             </a:fld>
             <a:endParaRPr lang="en-US"/>
           </a:p>
@@ -3340,7 +3340,7 @@
         </p:nvSpPr>
         <p:spPr>
           <a:xfrm>
-            <a:off x="5784056" y="157163"/>
+            <a:off x="5784056" y="70070"/>
             <a:ext cx="623888" cy="557212"/>
           </a:xfrm>
           <a:prstGeom prst="ellipse">
@@ -3386,8 +3386,8 @@
         </p:nvSpPr>
         <p:spPr>
           <a:xfrm>
-            <a:off x="5541168" y="1048656"/>
-            <a:ext cx="1109663" cy="595313"/>
+            <a:off x="5467943" y="908988"/>
+            <a:ext cx="1182888" cy="595313"/>
           </a:xfrm>
           <a:prstGeom prst="roundRect">
             <a:avLst/>
@@ -3435,8 +3435,8 @@
         </p:nvSpPr>
         <p:spPr>
           <a:xfrm>
-            <a:off x="5541168" y="1897807"/>
-            <a:ext cx="1109663" cy="595313"/>
+            <a:off x="5473150" y="1784197"/>
+            <a:ext cx="1182888" cy="595313"/>
           </a:xfrm>
           <a:prstGeom prst="roundRect">
             <a:avLst/>
@@ -3484,8 +3484,8 @@
         </p:nvSpPr>
         <p:spPr>
           <a:xfrm>
-            <a:off x="5507367" y="2914679"/>
-            <a:ext cx="1181100" cy="595313"/>
+            <a:off x="5429428" y="3571913"/>
+            <a:ext cx="1259039" cy="595313"/>
           </a:xfrm>
           <a:prstGeom prst="roundRect">
             <a:avLst/>
@@ -3530,13 +3530,15 @@
           </p:cNvPr>
           <p:cNvCxnSpPr>
             <a:cxnSpLocks/>
+            <a:stCxn id="6" idx="2"/>
+            <a:endCxn id="31" idx="0"/>
           </p:cNvCxnSpPr>
           <p:nvPr/>
         </p:nvCxnSpPr>
         <p:spPr>
-          <a:xfrm>
-            <a:off x="6200222" y="2493120"/>
-            <a:ext cx="1917" cy="421559"/>
+          <a:xfrm flipH="1">
+            <a:off x="6043314" y="2379510"/>
+            <a:ext cx="21280" cy="263277"/>
           </a:xfrm>
           <a:prstGeom prst="straightConnector1">
             <a:avLst/>
@@ -3614,8 +3616,8 @@
         </p:nvSpPr>
         <p:spPr>
           <a:xfrm>
-            <a:off x="5505449" y="4188810"/>
-            <a:ext cx="1181100" cy="595313"/>
+            <a:off x="5427510" y="4846044"/>
+            <a:ext cx="1259039" cy="595313"/>
           </a:xfrm>
           <a:prstGeom prst="roundRect">
             <a:avLst/>
@@ -3663,8 +3665,8 @@
         </p:nvSpPr>
         <p:spPr>
           <a:xfrm>
-            <a:off x="5505449" y="5162998"/>
-            <a:ext cx="1181101" cy="595313"/>
+            <a:off x="5427511" y="5820232"/>
+            <a:ext cx="1259040" cy="595313"/>
           </a:xfrm>
           <a:prstGeom prst="roundRect">
             <a:avLst/>
@@ -3714,7 +3716,7 @@
         </p:nvCxnSpPr>
         <p:spPr>
           <a:xfrm flipH="1">
-            <a:off x="5973169" y="3509992"/>
+            <a:off x="5973169" y="4167226"/>
             <a:ext cx="1918" cy="678818"/>
           </a:xfrm>
           <a:prstGeom prst="straightConnector1">
@@ -3752,6 +3754,7 @@
             </a:extLst>
           </p:cNvPr>
           <p:cNvCxnSpPr>
+            <a:cxnSpLocks/>
             <a:stCxn id="11" idx="2"/>
             <a:endCxn id="12" idx="0"/>
           </p:cNvCxnSpPr>
@@ -3759,7 +3762,7 @@
         </p:nvCxnSpPr>
         <p:spPr>
           <a:xfrm>
-            <a:off x="6095999" y="4784123"/>
+            <a:off x="6057030" y="5441357"/>
             <a:ext cx="1" cy="378875"/>
           </a:xfrm>
           <a:prstGeom prst="straightConnector1">
@@ -3799,19 +3802,19 @@
           <p:cNvCxnSpPr>
             <a:cxnSpLocks/>
             <a:stCxn id="12" idx="2"/>
+            <a:endCxn id="6" idx="1"/>
           </p:cNvCxnSpPr>
           <p:nvPr/>
         </p:nvCxnSpPr>
         <p:spPr>
           <a:xfrm rot="5400000" flipH="1">
-            <a:off x="4029707" y="3692018"/>
-            <a:ext cx="3606666" cy="525920"/>
-          </a:xfrm>
-          <a:prstGeom prst="bentConnector5">
+            <a:off x="3598245" y="3956760"/>
+            <a:ext cx="4333691" cy="583881"/>
+          </a:xfrm>
+          <a:prstGeom prst="bentConnector4">
             <a:avLst>
-              <a:gd name="adj1" fmla="val -6338"/>
-              <a:gd name="adj2" fmla="val 613062"/>
-              <a:gd name="adj3" fmla="val 99716"/>
+              <a:gd name="adj1" fmla="val -5275"/>
+              <a:gd name="adj2" fmla="val 533592"/>
             </a:avLst>
           </a:prstGeom>
           <a:ln w="60325">
@@ -3853,13 +3856,13 @@
         </p:nvCxnSpPr>
         <p:spPr>
           <a:xfrm rot="5400000" flipH="1" flipV="1">
-            <a:off x="5912906" y="2772068"/>
-            <a:ext cx="1314529" cy="161322"/>
+            <a:off x="5531415" y="3042604"/>
+            <a:ext cx="2085372" cy="163873"/>
           </a:xfrm>
           <a:prstGeom prst="bentConnector4">
             <a:avLst>
-              <a:gd name="adj1" fmla="val -14791"/>
-              <a:gd name="adj2" fmla="val 723922"/>
+              <a:gd name="adj1" fmla="val -10577"/>
+              <a:gd name="adj2" fmla="val 716117"/>
             </a:avLst>
           </a:prstGeom>
           <a:ln w="60325">
@@ -3944,13 +3947,13 @@
         </p:nvCxnSpPr>
         <p:spPr>
           <a:xfrm rot="16200000" flipV="1">
-            <a:off x="5507018" y="3212685"/>
-            <a:ext cx="277388" cy="276689"/>
+            <a:off x="5344360" y="3954639"/>
+            <a:ext cx="488679" cy="318541"/>
           </a:xfrm>
           <a:prstGeom prst="bentConnector4">
             <a:avLst>
-              <a:gd name="adj1" fmla="val -81749"/>
-              <a:gd name="adj2" fmla="val 305933"/>
+              <a:gd name="adj1" fmla="val -16514"/>
+              <a:gd name="adj2" fmla="val 171765"/>
             </a:avLst>
           </a:prstGeom>
           <a:ln w="60325">
@@ -3989,7 +3992,7 @@
         </p:nvSpPr>
         <p:spPr>
           <a:xfrm>
-            <a:off x="3744158" y="2843003"/>
+            <a:off x="3570088" y="3730410"/>
             <a:ext cx="1685270" cy="369332"/>
           </a:xfrm>
           <a:prstGeom prst="rect">
@@ -4024,7 +4027,7 @@
         </p:nvCxnSpPr>
         <p:spPr>
           <a:xfrm>
-            <a:off x="6231101" y="3509992"/>
+            <a:off x="6231101" y="4167226"/>
             <a:ext cx="0" cy="678818"/>
           </a:xfrm>
           <a:prstGeom prst="straightConnector1">
@@ -4068,7 +4071,7 @@
         </p:nvSpPr>
         <p:spPr>
           <a:xfrm>
-            <a:off x="3279336" y="3753001"/>
+            <a:off x="3279336" y="4410235"/>
             <a:ext cx="2718501" cy="369332"/>
           </a:xfrm>
           <a:prstGeom prst="rect">
@@ -4103,7 +4106,7 @@
         </p:nvSpPr>
         <p:spPr>
           <a:xfrm>
-            <a:off x="6238440" y="3763830"/>
+            <a:off x="6238440" y="4421064"/>
             <a:ext cx="1205552" cy="369332"/>
           </a:xfrm>
           <a:prstGeom prst="rect">
@@ -4136,14 +4139,13 @@
           <p:cNvCxnSpPr>
             <a:cxnSpLocks/>
             <a:stCxn id="5" idx="2"/>
-            <a:endCxn id="6" idx="0"/>
           </p:cNvCxnSpPr>
           <p:nvPr/>
         </p:nvCxnSpPr>
         <p:spPr>
           <a:xfrm>
-            <a:off x="6096000" y="1643969"/>
-            <a:ext cx="0" cy="253838"/>
+            <a:off x="6059387" y="1504301"/>
+            <a:ext cx="36612" cy="297657"/>
           </a:xfrm>
           <a:prstGeom prst="straightConnector1">
             <a:avLst/>
@@ -4292,7 +4294,7 @@
         </p:nvCxnSpPr>
         <p:spPr>
           <a:xfrm>
-            <a:off x="6095999" y="715523"/>
+            <a:off x="6095999" y="618904"/>
             <a:ext cx="1917" cy="296508"/>
           </a:xfrm>
           <a:prstGeom prst="straightConnector1">
@@ -4334,7 +4336,7 @@
         </p:nvSpPr>
         <p:spPr>
           <a:xfrm>
-            <a:off x="3321628" y="4741680"/>
+            <a:off x="6168298" y="5441357"/>
             <a:ext cx="2114169" cy="369332"/>
           </a:xfrm>
           <a:prstGeom prst="rect">
@@ -4355,6 +4357,263 @@
           </a:p>
         </p:txBody>
       </p:sp>
+      <p:sp>
+        <p:nvSpPr>
+          <p:cNvPr id="31" name="Rectangle: Rounded Corners 30">
+            <a:extLst>
+              <a:ext uri="{FF2B5EF4-FFF2-40B4-BE49-F238E27FC236}">
+                <a16:creationId xmlns:a16="http://schemas.microsoft.com/office/drawing/2014/main" id="{0C0DD98D-2475-4C17-A8DC-AA8CB2946EF8}"/>
+              </a:ext>
+            </a:extLst>
+          </p:cNvPr>
+          <p:cNvSpPr/>
+          <p:nvPr/>
+        </p:nvSpPr>
+        <p:spPr>
+          <a:xfrm>
+            <a:off x="5435797" y="2642787"/>
+            <a:ext cx="1215033" cy="595313"/>
+          </a:xfrm>
+          <a:prstGeom prst="roundRect">
+            <a:avLst/>
+          </a:prstGeom>
+        </p:spPr>
+        <p:style>
+          <a:lnRef idx="2">
+            <a:schemeClr val="accent1">
+              <a:shade val="50000"/>
+            </a:schemeClr>
+          </a:lnRef>
+          <a:fillRef idx="1">
+            <a:schemeClr val="accent1"/>
+          </a:fillRef>
+          <a:effectRef idx="0">
+            <a:schemeClr val="accent1"/>
+          </a:effectRef>
+          <a:fontRef idx="minor">
+            <a:schemeClr val="lt1"/>
+          </a:fontRef>
+        </p:style>
+        <p:txBody>
+          <a:bodyPr rtlCol="0" anchor="ctr"/>
+          <a:lstStyle/>
+          <a:p>
+            <a:pPr algn="ctr"/>
+            <a:r>
+              <a:rPr lang="en-US" dirty="0"/>
+              <a:t>Start Sequence</a:t>
+            </a:r>
+          </a:p>
+        </p:txBody>
+      </p:sp>
+      <p:cxnSp>
+        <p:nvCxnSpPr>
+          <p:cNvPr id="41" name="Straight Arrow Connector 40">
+            <a:extLst>
+              <a:ext uri="{FF2B5EF4-FFF2-40B4-BE49-F238E27FC236}">
+                <a16:creationId xmlns:a16="http://schemas.microsoft.com/office/drawing/2014/main" id="{AD377803-F6F0-42A9-9778-A92A2C3ECB2D}"/>
+              </a:ext>
+            </a:extLst>
+          </p:cNvPr>
+          <p:cNvCxnSpPr>
+            <a:cxnSpLocks/>
+          </p:cNvCxnSpPr>
+          <p:nvPr/>
+        </p:nvCxnSpPr>
+        <p:spPr>
+          <a:xfrm>
+            <a:off x="6081709" y="3247626"/>
+            <a:ext cx="0" cy="297657"/>
+          </a:xfrm>
+          <a:prstGeom prst="straightConnector1">
+            <a:avLst/>
+          </a:prstGeom>
+          <a:ln w="60325">
+            <a:solidFill>
+              <a:schemeClr val="tx1"/>
+            </a:solidFill>
+            <a:tailEnd type="triangle"/>
+          </a:ln>
+        </p:spPr>
+        <p:style>
+          <a:lnRef idx="1">
+            <a:schemeClr val="accent1"/>
+          </a:lnRef>
+          <a:fillRef idx="0">
+            <a:schemeClr val="accent1"/>
+          </a:fillRef>
+          <a:effectRef idx="0">
+            <a:schemeClr val="accent1"/>
+          </a:effectRef>
+          <a:fontRef idx="minor">
+            <a:schemeClr val="tx1"/>
+          </a:fontRef>
+        </p:style>
+      </p:cxnSp>
+      <p:cxnSp>
+        <p:nvCxnSpPr>
+          <p:cNvPr id="97" name="Straight Connector 96">
+            <a:extLst>
+              <a:ext uri="{FF2B5EF4-FFF2-40B4-BE49-F238E27FC236}">
+                <a16:creationId xmlns:a16="http://schemas.microsoft.com/office/drawing/2014/main" id="{CC791EDF-20D9-4AD9-9736-BB4C61ADB775}"/>
+              </a:ext>
+            </a:extLst>
+          </p:cNvPr>
+          <p:cNvCxnSpPr/>
+          <p:nvPr/>
+        </p:nvCxnSpPr>
+        <p:spPr>
+          <a:xfrm flipV="1">
+            <a:off x="5747970" y="4167226"/>
+            <a:ext cx="0" cy="253838"/>
+          </a:xfrm>
+          <a:prstGeom prst="line">
+            <a:avLst/>
+          </a:prstGeom>
+          <a:ln w="76200">
+            <a:solidFill>
+              <a:schemeClr val="tx1"/>
+            </a:solidFill>
+          </a:ln>
+        </p:spPr>
+        <p:style>
+          <a:lnRef idx="1">
+            <a:schemeClr val="accent1"/>
+          </a:lnRef>
+          <a:fillRef idx="0">
+            <a:schemeClr val="accent1"/>
+          </a:fillRef>
+          <a:effectRef idx="0">
+            <a:schemeClr val="accent1"/>
+          </a:effectRef>
+          <a:fontRef idx="minor">
+            <a:schemeClr val="tx1"/>
+          </a:fontRef>
+        </p:style>
+      </p:cxnSp>
+      <p:cxnSp>
+        <p:nvCxnSpPr>
+          <p:cNvPr id="98" name="Connector: Elbow 97">
+            <a:extLst>
+              <a:ext uri="{FF2B5EF4-FFF2-40B4-BE49-F238E27FC236}">
+                <a16:creationId xmlns:a16="http://schemas.microsoft.com/office/drawing/2014/main" id="{5A8B7A78-F4A2-4F99-9B04-890CAEBEE7E7}"/>
+              </a:ext>
+            </a:extLst>
+          </p:cNvPr>
+          <p:cNvCxnSpPr>
+            <a:cxnSpLocks/>
+          </p:cNvCxnSpPr>
+          <p:nvPr/>
+        </p:nvCxnSpPr>
+        <p:spPr>
+          <a:xfrm rot="16200000" flipV="1">
+            <a:off x="5371852" y="5236625"/>
+            <a:ext cx="488679" cy="318541"/>
+          </a:xfrm>
+          <a:prstGeom prst="bentConnector4">
+            <a:avLst>
+              <a:gd name="adj1" fmla="val -16514"/>
+              <a:gd name="adj2" fmla="val 171765"/>
+            </a:avLst>
+          </a:prstGeom>
+          <a:ln w="60325">
+            <a:solidFill>
+              <a:schemeClr val="tx1"/>
+            </a:solidFill>
+            <a:tailEnd type="triangle"/>
+          </a:ln>
+        </p:spPr>
+        <p:style>
+          <a:lnRef idx="1">
+            <a:schemeClr val="accent1"/>
+          </a:lnRef>
+          <a:fillRef idx="0">
+            <a:schemeClr val="accent1"/>
+          </a:fillRef>
+          <a:effectRef idx="0">
+            <a:schemeClr val="accent1"/>
+          </a:effectRef>
+          <a:fontRef idx="minor">
+            <a:schemeClr val="tx1"/>
+          </a:fontRef>
+        </p:style>
+      </p:cxnSp>
+      <p:sp>
+        <p:nvSpPr>
+          <p:cNvPr id="99" name="TextBox 98">
+            <a:extLst>
+              <a:ext uri="{FF2B5EF4-FFF2-40B4-BE49-F238E27FC236}">
+                <a16:creationId xmlns:a16="http://schemas.microsoft.com/office/drawing/2014/main" id="{66BFBD9D-2448-42E0-894E-57C2E9EE0502}"/>
+              </a:ext>
+            </a:extLst>
+          </p:cNvPr>
+          <p:cNvSpPr txBox="1"/>
+          <p:nvPr/>
+        </p:nvSpPr>
+        <p:spPr>
+          <a:xfrm>
+            <a:off x="3597580" y="5012396"/>
+            <a:ext cx="1685270" cy="369332"/>
+          </a:xfrm>
+          <a:prstGeom prst="rect">
+            <a:avLst/>
+          </a:prstGeom>
+          <a:noFill/>
+        </p:spPr>
+        <p:txBody>
+          <a:bodyPr wrap="none" rtlCol="0">
+            <a:spAutoFit/>
+          </a:bodyPr>
+          <a:lstStyle/>
+          <a:p>
+            <a:r>
+              <a:rPr lang="en-US" dirty="0"/>
+              <a:t>Step Completed</a:t>
+            </a:r>
+          </a:p>
+        </p:txBody>
+      </p:sp>
+      <p:cxnSp>
+        <p:nvCxnSpPr>
+          <p:cNvPr id="100" name="Straight Connector 99">
+            <a:extLst>
+              <a:ext uri="{FF2B5EF4-FFF2-40B4-BE49-F238E27FC236}">
+                <a16:creationId xmlns:a16="http://schemas.microsoft.com/office/drawing/2014/main" id="{E5E95D7F-6060-4C70-B5C4-F35CBC22001E}"/>
+              </a:ext>
+            </a:extLst>
+          </p:cNvPr>
+          <p:cNvCxnSpPr/>
+          <p:nvPr/>
+        </p:nvCxnSpPr>
+        <p:spPr>
+          <a:xfrm flipV="1">
+            <a:off x="5775462" y="5449212"/>
+            <a:ext cx="0" cy="253838"/>
+          </a:xfrm>
+          <a:prstGeom prst="line">
+            <a:avLst/>
+          </a:prstGeom>
+          <a:ln w="76200">
+            <a:solidFill>
+              <a:schemeClr val="tx1"/>
+            </a:solidFill>
+          </a:ln>
+        </p:spPr>
+        <p:style>
+          <a:lnRef idx="1">
+            <a:schemeClr val="accent1"/>
+          </a:lnRef>
+          <a:fillRef idx="0">
+            <a:schemeClr val="accent1"/>
+          </a:fillRef>
+          <a:effectRef idx="0">
+            <a:schemeClr val="accent1"/>
+          </a:effectRef>
+          <a:fontRef idx="minor">
+            <a:schemeClr val="tx1"/>
+          </a:fontRef>
+        </p:style>
+      </p:cxnSp>
     </p:spTree>
     <p:extLst>
       <p:ext uri="{BB962C8B-B14F-4D97-AF65-F5344CB8AC3E}">
